--- a/Project #1 - PowerPoint.pptx
+++ b/Project #1 - PowerPoint.pptx
@@ -276,7 +276,7 @@
           <a:p>
             <a:fld id="{76969C88-B244-455D-A017-012B25B1ACDD}" type="datetimeFigureOut">
               <a:rPr lang="en-US" smtClean="0"/>
-              <a:t>7/18/2020</a:t>
+              <a:t>7/20/2020</a:t>
             </a:fld>
             <a:endParaRPr lang="en-US"/>
           </a:p>
@@ -476,7 +476,7 @@
           <a:p>
             <a:fld id="{76969C88-B244-455D-A017-012B25B1ACDD}" type="datetimeFigureOut">
               <a:rPr lang="en-US" smtClean="0"/>
-              <a:t>7/18/2020</a:t>
+              <a:t>7/20/2020</a:t>
             </a:fld>
             <a:endParaRPr lang="en-US"/>
           </a:p>
@@ -686,7 +686,7 @@
           <a:p>
             <a:fld id="{76969C88-B244-455D-A017-012B25B1ACDD}" type="datetimeFigureOut">
               <a:rPr lang="en-US" smtClean="0"/>
-              <a:t>7/18/2020</a:t>
+              <a:t>7/20/2020</a:t>
             </a:fld>
             <a:endParaRPr lang="en-US"/>
           </a:p>
@@ -886,7 +886,7 @@
           <a:p>
             <a:fld id="{76969C88-B244-455D-A017-012B25B1ACDD}" type="datetimeFigureOut">
               <a:rPr lang="en-US" smtClean="0"/>
-              <a:t>7/18/2020</a:t>
+              <a:t>7/20/2020</a:t>
             </a:fld>
             <a:endParaRPr lang="en-US"/>
           </a:p>
@@ -1162,7 +1162,7 @@
           <a:p>
             <a:fld id="{76969C88-B244-455D-A017-012B25B1ACDD}" type="datetimeFigureOut">
               <a:rPr lang="en-US" smtClean="0"/>
-              <a:t>7/18/2020</a:t>
+              <a:t>7/20/2020</a:t>
             </a:fld>
             <a:endParaRPr lang="en-US"/>
           </a:p>
@@ -1430,7 +1430,7 @@
           <a:p>
             <a:fld id="{76969C88-B244-455D-A017-012B25B1ACDD}" type="datetimeFigureOut">
               <a:rPr lang="en-US" smtClean="0"/>
-              <a:t>7/18/2020</a:t>
+              <a:t>7/20/2020</a:t>
             </a:fld>
             <a:endParaRPr lang="en-US"/>
           </a:p>
@@ -1845,7 +1845,7 @@
           <a:p>
             <a:fld id="{76969C88-B244-455D-A017-012B25B1ACDD}" type="datetimeFigureOut">
               <a:rPr lang="en-US" smtClean="0"/>
-              <a:t>7/18/2020</a:t>
+              <a:t>7/20/2020</a:t>
             </a:fld>
             <a:endParaRPr lang="en-US"/>
           </a:p>
@@ -1987,7 +1987,7 @@
           <a:p>
             <a:fld id="{76969C88-B244-455D-A017-012B25B1ACDD}" type="datetimeFigureOut">
               <a:rPr lang="en-US" smtClean="0"/>
-              <a:t>7/18/2020</a:t>
+              <a:t>7/20/2020</a:t>
             </a:fld>
             <a:endParaRPr lang="en-US"/>
           </a:p>
@@ -2100,7 +2100,7 @@
           <a:p>
             <a:fld id="{76969C88-B244-455D-A017-012B25B1ACDD}" type="datetimeFigureOut">
               <a:rPr lang="en-US" smtClean="0"/>
-              <a:t>7/18/2020</a:t>
+              <a:t>7/20/2020</a:t>
             </a:fld>
             <a:endParaRPr lang="en-US"/>
           </a:p>
@@ -2413,7 +2413,7 @@
           <a:p>
             <a:fld id="{76969C88-B244-455D-A017-012B25B1ACDD}" type="datetimeFigureOut">
               <a:rPr lang="en-US" smtClean="0"/>
-              <a:t>7/18/2020</a:t>
+              <a:t>7/20/2020</a:t>
             </a:fld>
             <a:endParaRPr lang="en-US"/>
           </a:p>
@@ -2702,7 +2702,7 @@
           <a:p>
             <a:fld id="{76969C88-B244-455D-A017-012B25B1ACDD}" type="datetimeFigureOut">
               <a:rPr lang="en-US" smtClean="0"/>
-              <a:t>7/18/2020</a:t>
+              <a:t>7/20/2020</a:t>
             </a:fld>
             <a:endParaRPr lang="en-US"/>
           </a:p>
@@ -2946,7 +2946,7 @@
             <a:fld id="{76969C88-B244-455D-A017-012B25B1ACDD}" type="datetimeFigureOut">
               <a:rPr lang="en-US" smtClean="0"/>
               <a:pPr/>
-              <a:t>7/18/2020</a:t>
+              <a:t>7/20/2020</a:t>
             </a:fld>
             <a:endParaRPr lang="en-US"/>
           </a:p>
@@ -3549,7 +3549,7 @@
         </p:blipFill>
         <p:spPr>
           <a:xfrm>
-            <a:off x="20" y="10"/>
+            <a:off x="16" y="0"/>
             <a:ext cx="7534636" cy="6857990"/>
           </a:xfrm>
           <a:prstGeom prst="rect">
@@ -5840,10 +5840,10 @@
       </p:grpSpPr>
       <p:sp>
         <p:nvSpPr>
-          <p:cNvPr id="22" name="Rectangle 21">
-            <a:extLst>
-              <a:ext uri="{FF2B5EF4-FFF2-40B4-BE49-F238E27FC236}">
-                <a16:creationId xmlns:a16="http://schemas.microsoft.com/office/drawing/2014/main" id="{9CDF6DAD-6680-48EA-B64B-A5F5A4E46367}"/>
+          <p:cNvPr id="62" name="Rectangle 61">
+            <a:extLst>
+              <a:ext uri="{FF2B5EF4-FFF2-40B4-BE49-F238E27FC236}">
+                <a16:creationId xmlns:a16="http://schemas.microsoft.com/office/drawing/2014/main" id="{C7FA33FF-088D-4F16-95A2-2C64D353DEA8}"/>
               </a:ext>
               <a:ext uri="{C183D7F6-B498-43B3-948B-1728B52AA6E4}">
                 <adec:decorative xmlns:adec="http://schemas.microsoft.com/office/drawing/2017/decorative" val="1"/>
@@ -5863,17 +5863,14 @@
         </p:nvSpPr>
         <p:spPr>
           <a:xfrm>
-            <a:off x="597794" y="364885"/>
-            <a:ext cx="6025896" cy="5792929"/>
+            <a:off x="3048" y="0"/>
+            <a:ext cx="12188952" cy="6858000"/>
           </a:xfrm>
           <a:prstGeom prst="rect">
             <a:avLst/>
           </a:prstGeom>
           <a:solidFill>
-            <a:schemeClr val="tx1">
-              <a:lumMod val="75000"/>
-              <a:lumOff val="25000"/>
-            </a:schemeClr>
+            <a:schemeClr val="tx1"/>
           </a:solidFill>
           <a:ln>
             <a:noFill/>
@@ -5906,6 +5903,181 @@
       </p:sp>
       <p:sp>
         <p:nvSpPr>
+          <p:cNvPr id="64" name="Rectangle 63">
+            <a:extLst>
+              <a:ext uri="{FF2B5EF4-FFF2-40B4-BE49-F238E27FC236}">
+                <a16:creationId xmlns:a16="http://schemas.microsoft.com/office/drawing/2014/main" id="{A376EFB1-01CF-419F-ABF1-2AF02BBFCBD1}"/>
+              </a:ext>
+              <a:ext uri="{C183D7F6-B498-43B3-948B-1728B52AA6E4}">
+                <adec:decorative xmlns:adec="http://schemas.microsoft.com/office/drawing/2017/decorative" val="1"/>
+              </a:ext>
+            </a:extLst>
+          </p:cNvPr>
+          <p:cNvSpPr>
+            <a:spLocks noGrp="1" noRot="1" noChangeAspect="1" noMove="1" noResize="1" noEditPoints="1" noAdjustHandles="1" noChangeArrowheads="1" noChangeShapeType="1" noTextEdit="1"/>
+          </p:cNvSpPr>
+          <p:nvPr>
+            <p:extLst>
+              <p:ext uri="{386F3935-93C4-4BCD-93E2-E3B085C9AB24}">
+                <p16:designElem xmlns:p16="http://schemas.microsoft.com/office/powerpoint/2015/main" val="1"/>
+              </p:ext>
+            </p:extLst>
+          </p:nvPr>
+        </p:nvSpPr>
+        <p:spPr>
+          <a:xfrm>
+            <a:off x="-1" y="0"/>
+            <a:ext cx="6464595" cy="6858000"/>
+          </a:xfrm>
+          <a:prstGeom prst="rect">
+            <a:avLst/>
+          </a:prstGeom>
+          <a:solidFill>
+            <a:schemeClr val="bg1">
+              <a:alpha val="81000"/>
+            </a:schemeClr>
+          </a:solidFill>
+          <a:ln>
+            <a:noFill/>
+          </a:ln>
+        </p:spPr>
+        <p:style>
+          <a:lnRef idx="2">
+            <a:schemeClr val="accent1">
+              <a:shade val="50000"/>
+            </a:schemeClr>
+          </a:lnRef>
+          <a:fillRef idx="1">
+            <a:schemeClr val="accent1"/>
+          </a:fillRef>
+          <a:effectRef idx="0">
+            <a:schemeClr val="accent1"/>
+          </a:effectRef>
+          <a:fontRef idx="minor">
+            <a:schemeClr val="lt1"/>
+          </a:fontRef>
+        </p:style>
+        <p:txBody>
+          <a:bodyPr rtlCol="0" anchor="ctr"/>
+          <a:lstStyle/>
+          <a:p>
+            <a:pPr algn="ctr"/>
+            <a:endParaRPr lang="en-US"/>
+          </a:p>
+        </p:txBody>
+      </p:sp>
+      <p:sp>
+        <p:nvSpPr>
+          <p:cNvPr id="66" name="Freeform: Shape 65">
+            <a:extLst>
+              <a:ext uri="{FF2B5EF4-FFF2-40B4-BE49-F238E27FC236}">
+                <a16:creationId xmlns:a16="http://schemas.microsoft.com/office/drawing/2014/main" id="{FF9DEA15-78BD-4750-AA18-B9F28A6D5AB8}"/>
+              </a:ext>
+              <a:ext uri="{C183D7F6-B498-43B3-948B-1728B52AA6E4}">
+                <adec:decorative xmlns:adec="http://schemas.microsoft.com/office/drawing/2017/decorative" val="1"/>
+              </a:ext>
+            </a:extLst>
+          </p:cNvPr>
+          <p:cNvSpPr>
+            <a:spLocks noGrp="1" noRot="1" noChangeAspect="1" noMove="1" noResize="1" noEditPoints="1" noAdjustHandles="1" noChangeArrowheads="1" noChangeShapeType="1" noTextEdit="1"/>
+          </p:cNvSpPr>
+          <p:nvPr>
+            <p:extLst>
+              <p:ext uri="{386F3935-93C4-4BCD-93E2-E3B085C9AB24}">
+                <p16:designElem xmlns:p16="http://schemas.microsoft.com/office/powerpoint/2015/main" val="1"/>
+              </p:ext>
+            </p:extLst>
+          </p:nvPr>
+        </p:nvSpPr>
+        <p:spPr>
+          <a:xfrm>
+            <a:off x="-1" y="0"/>
+            <a:ext cx="4546337" cy="6858000"/>
+          </a:xfrm>
+          <a:custGeom>
+            <a:avLst/>
+            <a:gdLst>
+              <a:gd name="connsiteX0" fmla="*/ 0 w 4319042"/>
+              <a:gd name="connsiteY0" fmla="*/ 0 h 6858000"/>
+              <a:gd name="connsiteX1" fmla="*/ 1142888 w 4319042"/>
+              <a:gd name="connsiteY1" fmla="*/ 0 h 6858000"/>
+              <a:gd name="connsiteX2" fmla="*/ 4319042 w 4319042"/>
+              <a:gd name="connsiteY2" fmla="*/ 6858000 h 6858000"/>
+              <a:gd name="connsiteX3" fmla="*/ 0 w 4319042"/>
+              <a:gd name="connsiteY3" fmla="*/ 6858000 h 6858000"/>
+            </a:gdLst>
+            <a:ahLst/>
+            <a:cxnLst>
+              <a:cxn ang="0">
+                <a:pos x="connsiteX0" y="connsiteY0"/>
+              </a:cxn>
+              <a:cxn ang="0">
+                <a:pos x="connsiteX1" y="connsiteY1"/>
+              </a:cxn>
+              <a:cxn ang="0">
+                <a:pos x="connsiteX2" y="connsiteY2"/>
+              </a:cxn>
+              <a:cxn ang="0">
+                <a:pos x="connsiteX3" y="connsiteY3"/>
+              </a:cxn>
+            </a:cxnLst>
+            <a:rect l="l" t="t" r="r" b="b"/>
+            <a:pathLst>
+              <a:path w="4319042" h="6858000">
+                <a:moveTo>
+                  <a:pt x="0" y="0"/>
+                </a:moveTo>
+                <a:lnTo>
+                  <a:pt x="1142888" y="0"/>
+                </a:lnTo>
+                <a:lnTo>
+                  <a:pt x="4319042" y="6858000"/>
+                </a:lnTo>
+                <a:lnTo>
+                  <a:pt x="0" y="6858000"/>
+                </a:lnTo>
+                <a:close/>
+              </a:path>
+            </a:pathLst>
+          </a:custGeom>
+          <a:solidFill>
+            <a:schemeClr val="bg1">
+              <a:alpha val="35000"/>
+            </a:schemeClr>
+          </a:solidFill>
+          <a:ln>
+            <a:noFill/>
+          </a:ln>
+        </p:spPr>
+        <p:style>
+          <a:lnRef idx="2">
+            <a:schemeClr val="accent1">
+              <a:shade val="50000"/>
+            </a:schemeClr>
+          </a:lnRef>
+          <a:fillRef idx="1">
+            <a:schemeClr val="accent1"/>
+          </a:fillRef>
+          <a:effectRef idx="0">
+            <a:schemeClr val="accent1"/>
+          </a:effectRef>
+          <a:fontRef idx="minor">
+            <a:schemeClr val="lt1"/>
+          </a:fontRef>
+        </p:style>
+        <p:txBody>
+          <a:bodyPr wrap="square" rtlCol="0" anchor="ctr">
+            <a:noAutofit/>
+          </a:bodyPr>
+          <a:lstStyle/>
+          <a:p>
+            <a:pPr algn="ctr"/>
+            <a:endParaRPr lang="en-US"/>
+          </a:p>
+        </p:txBody>
+      </p:sp>
+      <p:sp>
+        <p:nvSpPr>
           <p:cNvPr id="2" name="Title 1">
             <a:extLst>
               <a:ext uri="{FF2B5EF4-FFF2-40B4-BE49-F238E27FC236}">
@@ -5922,47 +6094,8 @@
         </p:nvSpPr>
         <p:spPr>
           <a:xfrm>
-            <a:off x="950976" y="700186"/>
-            <a:ext cx="5374494" cy="1188720"/>
-          </a:xfrm>
-        </p:spPr>
-        <p:txBody>
-          <a:bodyPr anchor="ctr">
-            <a:normAutofit/>
-          </a:bodyPr>
-          <a:lstStyle/>
-          <a:p>
-            <a:r>
-              <a:rPr lang="en-CA" dirty="0">
-                <a:solidFill>
-                  <a:schemeClr val="bg1"/>
-                </a:solidFill>
-              </a:rPr>
-              <a:t>Winning Roster</a:t>
-            </a:r>
-          </a:p>
-        </p:txBody>
-      </p:sp>
-      <p:sp>
-        <p:nvSpPr>
-          <p:cNvPr id="3" name="Content Placeholder 2">
-            <a:extLst>
-              <a:ext uri="{FF2B5EF4-FFF2-40B4-BE49-F238E27FC236}">
-                <a16:creationId xmlns:a16="http://schemas.microsoft.com/office/drawing/2014/main" id="{B424581B-5F75-4A18-9CAC-CB165024F331}"/>
-              </a:ext>
-            </a:extLst>
-          </p:cNvPr>
-          <p:cNvSpPr>
-            <a:spLocks noGrp="1"/>
-          </p:cNvSpPr>
-          <p:nvPr>
-            <p:ph idx="1"/>
-          </p:nvPr>
-        </p:nvSpPr>
-        <p:spPr>
-          <a:xfrm>
-            <a:off x="950976" y="2066544"/>
-            <a:ext cx="5374494" cy="3788346"/>
+            <a:off x="804672" y="640263"/>
+            <a:ext cx="5221266" cy="1344975"/>
           </a:xfrm>
         </p:spPr>
         <p:txBody>
@@ -5971,105 +6104,100 @@
           </a:bodyPr>
           <a:lstStyle/>
           <a:p>
+            <a:r>
+              <a:rPr lang="en-CA" sz="4000"/>
+              <a:t>Winning Roster</a:t>
+            </a:r>
+          </a:p>
+        </p:txBody>
+      </p:sp>
+      <p:sp>
+        <p:nvSpPr>
+          <p:cNvPr id="3" name="Content Placeholder 2">
+            <a:extLst>
+              <a:ext uri="{FF2B5EF4-FFF2-40B4-BE49-F238E27FC236}">
+                <a16:creationId xmlns:a16="http://schemas.microsoft.com/office/drawing/2014/main" id="{B424581B-5F75-4A18-9CAC-CB165024F331}"/>
+              </a:ext>
+            </a:extLst>
+          </p:cNvPr>
+          <p:cNvSpPr>
+            <a:spLocks noGrp="1"/>
+          </p:cNvSpPr>
+          <p:nvPr>
+            <p:ph idx="1"/>
+          </p:nvPr>
+        </p:nvSpPr>
+        <p:spPr>
+          <a:xfrm>
+            <a:off x="804672" y="2121763"/>
+            <a:ext cx="5235490" cy="3773010"/>
+          </a:xfrm>
+        </p:spPr>
+        <p:txBody>
+          <a:bodyPr>
+            <a:normAutofit/>
+          </a:bodyPr>
+          <a:lstStyle/>
+          <a:p>
             <a:pPr lvl="1"/>
             <a:r>
-              <a:rPr lang="en-CA" dirty="0">
-                <a:solidFill>
-                  <a:schemeClr val="bg1"/>
-                </a:solidFill>
-              </a:rPr>
+              <a:rPr lang="en-CA" sz="2000" dirty="0"/>
               <a:t>Determine a range of wins required to assemble a winning roster</a:t>
             </a:r>
           </a:p>
           <a:p>
             <a:pPr lvl="1"/>
             <a:r>
-              <a:rPr lang="en-CA" dirty="0">
-                <a:solidFill>
-                  <a:schemeClr val="bg1"/>
-                </a:solidFill>
-              </a:rPr>
-              <a:t> The average Number of wins required to get first place is </a:t>
-            </a:r>
-            <a:r>
-              <a:rPr lang="en-CA" b="1" dirty="0">
-                <a:solidFill>
-                  <a:schemeClr val="bg1"/>
-                </a:solidFill>
-              </a:rPr>
-              <a:t>63.6 wins </a:t>
-            </a:r>
-            <a:r>
-              <a:rPr lang="en-CA" dirty="0">
-                <a:solidFill>
-                  <a:schemeClr val="bg1"/>
-                </a:solidFill>
-              </a:rPr>
-              <a:t>based off the last 5 years</a:t>
+              <a:rPr lang="en-CA" sz="2000" dirty="0"/>
+              <a:t> The average Number of wins required to get first place is</a:t>
+            </a:r>
+            <a:r>
+              <a:rPr lang="en-CA" sz="2000" b="1" dirty="0"/>
+              <a:t> 67 wins </a:t>
+            </a:r>
+            <a:r>
+              <a:rPr lang="en-CA" sz="2000" dirty="0"/>
+              <a:t>based off data from 2016 to 2019</a:t>
             </a:r>
           </a:p>
           <a:p>
             <a:pPr lvl="1"/>
             <a:r>
-              <a:rPr lang="en-CA" dirty="0">
-                <a:solidFill>
-                  <a:schemeClr val="bg1"/>
-                </a:solidFill>
-              </a:rPr>
+              <a:rPr lang="en-CA" sz="2000" dirty="0"/>
               <a:t>The average Number of wins required to get sixteenth place is </a:t>
             </a:r>
             <a:r>
-              <a:rPr lang="en-CA" b="1" dirty="0">
-                <a:solidFill>
-                  <a:schemeClr val="bg1"/>
-                </a:solidFill>
-              </a:rPr>
-              <a:t>38.6 wins </a:t>
-            </a:r>
-            <a:r>
-              <a:rPr lang="en-CA" dirty="0">
-                <a:solidFill>
-                  <a:schemeClr val="bg1"/>
-                </a:solidFill>
-              </a:rPr>
-              <a:t>last 5 years</a:t>
+              <a:rPr lang="en-CA" sz="2000" b="1" dirty="0"/>
+              <a:t>41.0 wins </a:t>
+            </a:r>
+            <a:r>
+              <a:rPr lang="en-CA" sz="2000" dirty="0"/>
+              <a:t>based off data from 2016 to 2019</a:t>
             </a:r>
           </a:p>
           <a:p>
             <a:pPr lvl="1"/>
             <a:r>
-              <a:rPr lang="en-CA" dirty="0">
-                <a:solidFill>
-                  <a:schemeClr val="bg1"/>
-                </a:solidFill>
-              </a:rPr>
-              <a:t>The winning roster needs to have at least 39 wins</a:t>
+              <a:rPr lang="en-CA" sz="2000" dirty="0"/>
+              <a:t>The winning roster needs to have at least 41 wins</a:t>
             </a:r>
           </a:p>
           <a:p>
             <a:pPr lvl="1"/>
-            <a:endParaRPr lang="en-CA" sz="2200" dirty="0">
-              <a:solidFill>
-                <a:schemeClr val="bg1"/>
-              </a:solidFill>
-            </a:endParaRPr>
+            <a:endParaRPr lang="en-CA" sz="2000" dirty="0"/>
           </a:p>
           <a:p>
             <a:pPr lvl="1"/>
-            <a:endParaRPr lang="en-CA" sz="2200" dirty="0">
-              <a:solidFill>
-                <a:schemeClr val="bg1"/>
-              </a:solidFill>
-            </a:endParaRPr>
+            <a:endParaRPr lang="en-CA" sz="2000" dirty="0"/>
           </a:p>
         </p:txBody>
       </p:sp>
       <p:pic>
         <p:nvPicPr>
-          <p:cNvPr id="4" name="Picture 3" descr="A screenshot of a cell phone&#10;&#10;Description automatically generated">
-            <a:extLst>
-              <a:ext uri="{FF2B5EF4-FFF2-40B4-BE49-F238E27FC236}">
-                <a16:creationId xmlns:a16="http://schemas.microsoft.com/office/drawing/2014/main" id="{883A4E51-62F8-444B-AC07-B97631DA0A11}"/>
+          <p:cNvPr id="9" name="Picture 8" descr="A close up of text on a white background&#10;&#10;Description automatically generated">
+            <a:extLst>
+              <a:ext uri="{FF2B5EF4-FFF2-40B4-BE49-F238E27FC236}">
+                <a16:creationId xmlns:a16="http://schemas.microsoft.com/office/drawing/2014/main" id="{92423E69-2829-4748-8157-D17A3400537A}"/>
               </a:ext>
             </a:extLst>
           </p:cNvPr>
@@ -6092,8 +6220,8 @@
         </p:blipFill>
         <p:spPr>
           <a:xfrm>
-            <a:off x="7170796" y="365760"/>
-            <a:ext cx="4183380" cy="2788920"/>
+            <a:off x="6464594" y="0"/>
+            <a:ext cx="3552824" cy="3552824"/>
           </a:xfrm>
           <a:prstGeom prst="rect">
             <a:avLst/>
@@ -6102,10 +6230,10 @@
       </p:pic>
       <p:pic>
         <p:nvPicPr>
-          <p:cNvPr id="7" name="Picture 6" descr="A picture containing screenshot&#10;&#10;Description automatically generated">
-            <a:extLst>
-              <a:ext uri="{FF2B5EF4-FFF2-40B4-BE49-F238E27FC236}">
-                <a16:creationId xmlns:a16="http://schemas.microsoft.com/office/drawing/2014/main" id="{83BA220C-9025-48E0-B138-2036A99C2E24}"/>
+          <p:cNvPr id="6" name="Picture 5" descr="A close up of text on a white background&#10;&#10;Description automatically generated">
+            <a:extLst>
+              <a:ext uri="{FF2B5EF4-FFF2-40B4-BE49-F238E27FC236}">
+                <a16:creationId xmlns:a16="http://schemas.microsoft.com/office/drawing/2014/main" id="{0C892384-E7F6-4917-B2E3-F87FE16726E5}"/>
               </a:ext>
             </a:extLst>
           </p:cNvPr>
@@ -6128,8 +6256,8 @@
         </p:blipFill>
         <p:spPr>
           <a:xfrm>
-            <a:off x="7170796" y="3368894"/>
-            <a:ext cx="4183380" cy="2788920"/>
+            <a:off x="8551594" y="3285217"/>
+            <a:ext cx="3552824" cy="3552824"/>
           </a:xfrm>
           <a:prstGeom prst="rect">
             <a:avLst/>
@@ -6176,10 +6304,10 @@
       </p:grpSpPr>
       <p:sp>
         <p:nvSpPr>
-          <p:cNvPr id="8" name="Rectangle 7">
-            <a:extLst>
-              <a:ext uri="{FF2B5EF4-FFF2-40B4-BE49-F238E27FC236}">
-                <a16:creationId xmlns:a16="http://schemas.microsoft.com/office/drawing/2014/main" id="{F98ED85F-DCEE-4B50-802E-71A6E3E12B04}"/>
+          <p:cNvPr id="20" name="Rectangle 19">
+            <a:extLst>
+              <a:ext uri="{FF2B5EF4-FFF2-40B4-BE49-F238E27FC236}">
+                <a16:creationId xmlns:a16="http://schemas.microsoft.com/office/drawing/2014/main" id="{C7FA33FF-088D-4F16-95A2-2C64D353DEA8}"/>
               </a:ext>
               <a:ext uri="{C183D7F6-B498-43B3-948B-1728B52AA6E4}">
                 <adec:decorative xmlns:adec="http://schemas.microsoft.com/office/drawing/2017/decorative" val="1"/>
@@ -6197,27 +6325,19 @@
             </p:extLst>
           </p:nvPr>
         </p:nvSpPr>
-        <p:spPr bwMode="ltGray">
-          <a:xfrm>
-            <a:off x="321564" y="320040"/>
-            <a:ext cx="11548872" cy="6217920"/>
+        <p:spPr>
+          <a:xfrm>
+            <a:off x="1524" y="0"/>
+            <a:ext cx="12188952" cy="6858000"/>
           </a:xfrm>
           <a:prstGeom prst="rect">
             <a:avLst/>
           </a:prstGeom>
           <a:solidFill>
-            <a:schemeClr val="tx1">
-              <a:lumMod val="75000"/>
-              <a:lumOff val="25000"/>
-            </a:schemeClr>
+            <a:schemeClr val="tx1"/>
           </a:solidFill>
-          <a:ln w="127000" cap="sq" cmpd="thinThick">
-            <a:solidFill>
-              <a:schemeClr val="tx1">
-                <a:lumMod val="75000"/>
-                <a:lumOff val="25000"/>
-              </a:schemeClr>
-            </a:solidFill>
+          <a:ln>
+            <a:noFill/>
           </a:ln>
         </p:spPr>
         <p:style>
@@ -6247,58 +6367,19 @@
       </p:sp>
       <p:sp>
         <p:nvSpPr>
-          <p:cNvPr id="2" name="Title 1">
-            <a:extLst>
-              <a:ext uri="{FF2B5EF4-FFF2-40B4-BE49-F238E27FC236}">
-                <a16:creationId xmlns:a16="http://schemas.microsoft.com/office/drawing/2014/main" id="{498B82B6-C22D-4A70-A158-EE23026C6545}"/>
-              </a:ext>
-            </a:extLst>
-          </p:cNvPr>
-          <p:cNvSpPr>
-            <a:spLocks noGrp="1"/>
-          </p:cNvSpPr>
-          <p:nvPr>
-            <p:ph type="title"/>
-          </p:nvPr>
-        </p:nvSpPr>
-        <p:spPr>
-          <a:xfrm>
-            <a:off x="838200" y="631825"/>
-            <a:ext cx="10515600" cy="1325563"/>
-          </a:xfrm>
-        </p:spPr>
-        <p:txBody>
-          <a:bodyPr>
-            <a:normAutofit/>
-          </a:bodyPr>
-          <a:lstStyle/>
-          <a:p>
-            <a:r>
-              <a:rPr lang="en-CA" dirty="0">
-                <a:solidFill>
-                  <a:schemeClr val="bg1"/>
-                </a:solidFill>
-              </a:rPr>
-              <a:t>Proposal #1 : “Dream Team”</a:t>
-            </a:r>
-          </a:p>
-        </p:txBody>
-      </p:sp>
-      <p:cxnSp>
-        <p:nvCxnSpPr>
-          <p:cNvPr id="10" name="Straight Connector 9">
-            <a:extLst>
-              <a:ext uri="{FF2B5EF4-FFF2-40B4-BE49-F238E27FC236}">
-                <a16:creationId xmlns:a16="http://schemas.microsoft.com/office/drawing/2014/main" id="{E8E35B83-1EC3-4F87-9D54-D863463351B9}"/>
+          <p:cNvPr id="22" name="Rectangle 21">
+            <a:extLst>
+              <a:ext uri="{FF2B5EF4-FFF2-40B4-BE49-F238E27FC236}">
+                <a16:creationId xmlns:a16="http://schemas.microsoft.com/office/drawing/2014/main" id="{A376EFB1-01CF-419F-ABF1-2AF02BBFCBD1}"/>
               </a:ext>
               <a:ext uri="{C183D7F6-B498-43B3-948B-1728B52AA6E4}">
                 <adec:decorative xmlns:adec="http://schemas.microsoft.com/office/drawing/2017/decorative" val="1"/>
               </a:ext>
             </a:extLst>
           </p:cNvPr>
-          <p:cNvCxnSpPr>
-            <a:cxnSpLocks noGrp="1" noRot="1" noChangeAspect="1" noMove="1" noResize="1" noEditPoints="1" noAdjustHandles="1" noChangeArrowheads="1" noChangeShapeType="1"/>
-          </p:cNvCxnSpPr>
+          <p:cNvSpPr>
+            <a:spLocks noGrp="1" noRot="1" noChangeAspect="1" noMove="1" noResize="1" noEditPoints="1" noAdjustHandles="1" noChangeArrowheads="1" noChangeShapeType="1" noTextEdit="1"/>
+          </p:cNvSpPr>
           <p:nvPr>
             <p:extLst>
               <p:ext uri="{386F3935-93C4-4BCD-93E2-E3B085C9AB24}">
@@ -6306,56 +6387,179 @@
               </p:ext>
             </p:extLst>
           </p:nvPr>
-        </p:nvCxnSpPr>
+        </p:nvSpPr>
         <p:spPr>
           <a:xfrm>
-            <a:off x="897636" y="1957388"/>
-            <a:ext cx="10396728" cy="0"/>
-          </a:xfrm>
-          <a:prstGeom prst="line">
+            <a:off x="-1" y="0"/>
+            <a:ext cx="6464595" cy="6858000"/>
+          </a:xfrm>
+          <a:prstGeom prst="rect">
             <a:avLst/>
           </a:prstGeom>
-          <a:ln w="22225">
-            <a:solidFill>
-              <a:schemeClr val="bg1"/>
-            </a:solidFill>
+          <a:solidFill>
+            <a:schemeClr val="bg1">
+              <a:alpha val="81000"/>
+            </a:schemeClr>
+          </a:solidFill>
+          <a:ln>
+            <a:noFill/>
           </a:ln>
         </p:spPr>
         <p:style>
-          <a:lnRef idx="1">
-            <a:schemeClr val="accent1"/>
+          <a:lnRef idx="2">
+            <a:schemeClr val="accent1">
+              <a:shade val="50000"/>
+            </a:schemeClr>
           </a:lnRef>
-          <a:fillRef idx="0">
+          <a:fillRef idx="1">
             <a:schemeClr val="accent1"/>
           </a:fillRef>
           <a:effectRef idx="0">
             <a:schemeClr val="accent1"/>
           </a:effectRef>
           <a:fontRef idx="minor">
-            <a:schemeClr val="tx1"/>
+            <a:schemeClr val="lt1"/>
           </a:fontRef>
         </p:style>
-      </p:cxnSp>
-      <p:sp>
-        <p:nvSpPr>
-          <p:cNvPr id="3" name="Content Placeholder 2">
-            <a:extLst>
-              <a:ext uri="{FF2B5EF4-FFF2-40B4-BE49-F238E27FC236}">
-                <a16:creationId xmlns:a16="http://schemas.microsoft.com/office/drawing/2014/main" id="{B1BBF445-8581-45C4-980C-900FBF21E85B}"/>
-              </a:ext>
-            </a:extLst>
-          </p:cNvPr>
-          <p:cNvSpPr>
-            <a:spLocks noGrp="1"/>
-          </p:cNvSpPr>
-          <p:nvPr>
-            <p:ph idx="1"/>
+        <p:txBody>
+          <a:bodyPr rtlCol="0" anchor="ctr"/>
+          <a:lstStyle/>
+          <a:p>
+            <a:pPr algn="ctr"/>
+            <a:endParaRPr lang="en-US"/>
+          </a:p>
+        </p:txBody>
+      </p:sp>
+      <p:sp>
+        <p:nvSpPr>
+          <p:cNvPr id="24" name="Freeform: Shape 23">
+            <a:extLst>
+              <a:ext uri="{FF2B5EF4-FFF2-40B4-BE49-F238E27FC236}">
+                <a16:creationId xmlns:a16="http://schemas.microsoft.com/office/drawing/2014/main" id="{FF9DEA15-78BD-4750-AA18-B9F28A6D5AB8}"/>
+              </a:ext>
+              <a:ext uri="{C183D7F6-B498-43B3-948B-1728B52AA6E4}">
+                <adec:decorative xmlns:adec="http://schemas.microsoft.com/office/drawing/2017/decorative" val="1"/>
+              </a:ext>
+            </a:extLst>
+          </p:cNvPr>
+          <p:cNvSpPr>
+            <a:spLocks noGrp="1" noRot="1" noChangeAspect="1" noMove="1" noResize="1" noEditPoints="1" noAdjustHandles="1" noChangeArrowheads="1" noChangeShapeType="1" noTextEdit="1"/>
+          </p:cNvSpPr>
+          <p:nvPr>
+            <p:extLst>
+              <p:ext uri="{386F3935-93C4-4BCD-93E2-E3B085C9AB24}">
+                <p16:designElem xmlns:p16="http://schemas.microsoft.com/office/powerpoint/2015/main" val="1"/>
+              </p:ext>
+            </p:extLst>
           </p:nvPr>
         </p:nvSpPr>
         <p:spPr>
           <a:xfrm>
-            <a:off x="838200" y="2269172"/>
-            <a:ext cx="3943350" cy="3864849"/>
+            <a:off x="-1" y="0"/>
+            <a:ext cx="4546337" cy="6858000"/>
+          </a:xfrm>
+          <a:custGeom>
+            <a:avLst/>
+            <a:gdLst>
+              <a:gd name="connsiteX0" fmla="*/ 0 w 4319042"/>
+              <a:gd name="connsiteY0" fmla="*/ 0 h 6858000"/>
+              <a:gd name="connsiteX1" fmla="*/ 1142888 w 4319042"/>
+              <a:gd name="connsiteY1" fmla="*/ 0 h 6858000"/>
+              <a:gd name="connsiteX2" fmla="*/ 4319042 w 4319042"/>
+              <a:gd name="connsiteY2" fmla="*/ 6858000 h 6858000"/>
+              <a:gd name="connsiteX3" fmla="*/ 0 w 4319042"/>
+              <a:gd name="connsiteY3" fmla="*/ 6858000 h 6858000"/>
+            </a:gdLst>
+            <a:ahLst/>
+            <a:cxnLst>
+              <a:cxn ang="0">
+                <a:pos x="connsiteX0" y="connsiteY0"/>
+              </a:cxn>
+              <a:cxn ang="0">
+                <a:pos x="connsiteX1" y="connsiteY1"/>
+              </a:cxn>
+              <a:cxn ang="0">
+                <a:pos x="connsiteX2" y="connsiteY2"/>
+              </a:cxn>
+              <a:cxn ang="0">
+                <a:pos x="connsiteX3" y="connsiteY3"/>
+              </a:cxn>
+            </a:cxnLst>
+            <a:rect l="l" t="t" r="r" b="b"/>
+            <a:pathLst>
+              <a:path w="4319042" h="6858000">
+                <a:moveTo>
+                  <a:pt x="0" y="0"/>
+                </a:moveTo>
+                <a:lnTo>
+                  <a:pt x="1142888" y="0"/>
+                </a:lnTo>
+                <a:lnTo>
+                  <a:pt x="4319042" y="6858000"/>
+                </a:lnTo>
+                <a:lnTo>
+                  <a:pt x="0" y="6858000"/>
+                </a:lnTo>
+                <a:close/>
+              </a:path>
+            </a:pathLst>
+          </a:custGeom>
+          <a:solidFill>
+            <a:schemeClr val="bg1">
+              <a:alpha val="35000"/>
+            </a:schemeClr>
+          </a:solidFill>
+          <a:ln>
+            <a:noFill/>
+          </a:ln>
+        </p:spPr>
+        <p:style>
+          <a:lnRef idx="2">
+            <a:schemeClr val="accent1">
+              <a:shade val="50000"/>
+            </a:schemeClr>
+          </a:lnRef>
+          <a:fillRef idx="1">
+            <a:schemeClr val="accent1"/>
+          </a:fillRef>
+          <a:effectRef idx="0">
+            <a:schemeClr val="accent1"/>
+          </a:effectRef>
+          <a:fontRef idx="minor">
+            <a:schemeClr val="lt1"/>
+          </a:fontRef>
+        </p:style>
+        <p:txBody>
+          <a:bodyPr wrap="square" rtlCol="0" anchor="ctr">
+            <a:noAutofit/>
+          </a:bodyPr>
+          <a:lstStyle/>
+          <a:p>
+            <a:pPr algn="ctr"/>
+            <a:endParaRPr lang="en-US"/>
+          </a:p>
+        </p:txBody>
+      </p:sp>
+      <p:sp>
+        <p:nvSpPr>
+          <p:cNvPr id="2" name="Title 1">
+            <a:extLst>
+              <a:ext uri="{FF2B5EF4-FFF2-40B4-BE49-F238E27FC236}">
+                <a16:creationId xmlns:a16="http://schemas.microsoft.com/office/drawing/2014/main" id="{498B82B6-C22D-4A70-A158-EE23026C6545}"/>
+              </a:ext>
+            </a:extLst>
+          </p:cNvPr>
+          <p:cNvSpPr>
+            <a:spLocks noGrp="1"/>
+          </p:cNvSpPr>
+          <p:nvPr>
+            <p:ph type="title"/>
+          </p:nvPr>
+        </p:nvSpPr>
+        <p:spPr>
+          <a:xfrm>
+            <a:off x="804672" y="640263"/>
+            <a:ext cx="5157216" cy="1344975"/>
           </a:xfrm>
         </p:spPr>
         <p:txBody>
@@ -6365,41 +6569,64 @@
           <a:lstStyle/>
           <a:p>
             <a:r>
-              <a:rPr lang="en-CA" dirty="0">
-                <a:solidFill>
-                  <a:schemeClr val="bg1"/>
-                </a:solidFill>
-              </a:rPr>
+              <a:rPr lang="en-CA" sz="4000"/>
+              <a:t>Proposal #1 : “Dream Team”</a:t>
+            </a:r>
+          </a:p>
+        </p:txBody>
+      </p:sp>
+      <p:sp>
+        <p:nvSpPr>
+          <p:cNvPr id="3" name="Content Placeholder 2">
+            <a:extLst>
+              <a:ext uri="{FF2B5EF4-FFF2-40B4-BE49-F238E27FC236}">
+                <a16:creationId xmlns:a16="http://schemas.microsoft.com/office/drawing/2014/main" id="{B1BBF445-8581-45C4-980C-900FBF21E85B}"/>
+              </a:ext>
+            </a:extLst>
+          </p:cNvPr>
+          <p:cNvSpPr>
+            <a:spLocks noGrp="1"/>
+          </p:cNvSpPr>
+          <p:nvPr>
+            <p:ph idx="1"/>
+          </p:nvPr>
+        </p:nvSpPr>
+        <p:spPr>
+          <a:xfrm>
+            <a:off x="804672" y="2121763"/>
+            <a:ext cx="5157216" cy="3773010"/>
+          </a:xfrm>
+        </p:spPr>
+        <p:txBody>
+          <a:bodyPr>
+            <a:normAutofit/>
+          </a:bodyPr>
+          <a:lstStyle/>
+          <a:p>
+            <a:r>
+              <a:rPr lang="en-CA" dirty="0"/>
               <a:t>Step #1 – Determine the Number of Wins required for first place in the league based of the last five years. </a:t>
             </a:r>
           </a:p>
           <a:p>
             <a:pPr lvl="1"/>
             <a:r>
-              <a:rPr lang="en-CA" sz="2600" dirty="0">
-                <a:solidFill>
-                  <a:schemeClr val="bg1"/>
-                </a:solidFill>
-              </a:rPr>
+              <a:rPr lang="en-CA" sz="2800" dirty="0"/>
               <a:t>The average Number of wins required to get first place is </a:t>
             </a:r>
             <a:r>
-              <a:rPr lang="en-CA" sz="2600" b="1" dirty="0">
-                <a:solidFill>
-                  <a:schemeClr val="bg1"/>
-                </a:solidFill>
-              </a:rPr>
-              <a:t>63.6 wins </a:t>
+              <a:rPr lang="en-CA" sz="2800" b="1" dirty="0"/>
+              <a:t>67 wins </a:t>
             </a:r>
           </a:p>
         </p:txBody>
       </p:sp>
       <p:pic>
         <p:nvPicPr>
-          <p:cNvPr id="5" name="Picture 4" descr="A screenshot of a cell phone&#10;&#10;Description automatically generated">
-            <a:extLst>
-              <a:ext uri="{FF2B5EF4-FFF2-40B4-BE49-F238E27FC236}">
-                <a16:creationId xmlns:a16="http://schemas.microsoft.com/office/drawing/2014/main" id="{67699AF9-6905-453B-8023-C011B9A57BDC}"/>
+          <p:cNvPr id="6" name="Picture 5" descr="A close up of text on a white background&#10;&#10;Description automatically generated">
+            <a:extLst>
+              <a:ext uri="{FF2B5EF4-FFF2-40B4-BE49-F238E27FC236}">
+                <a16:creationId xmlns:a16="http://schemas.microsoft.com/office/drawing/2014/main" id="{41CE99AC-246A-4A9E-A430-6E5D489333C3}"/>
               </a:ext>
             </a:extLst>
           </p:cNvPr>
@@ -6408,7 +6635,7 @@
           </p:cNvPicPr>
           <p:nvPr/>
         </p:nvPicPr>
-        <p:blipFill>
+        <p:blipFill rotWithShape="1">
           <a:blip r:embed="rId2">
             <a:extLst>
               <a:ext uri="{28A0092B-C50C-407E-A947-70E740481C1C}">
@@ -6416,14 +6643,13 @@
               </a:ext>
             </a:extLst>
           </a:blip>
-          <a:stretch>
-            <a:fillRect/>
-          </a:stretch>
+          <a:srcRect t="5707" r="-2" b="5419"/>
+          <a:stretch/>
         </p:blipFill>
         <p:spPr>
           <a:xfrm>
-            <a:off x="5019675" y="1980216"/>
-            <a:ext cx="6334125" cy="4222750"/>
+            <a:off x="6464594" y="934754"/>
+            <a:ext cx="5613106" cy="4988492"/>
           </a:xfrm>
           <a:prstGeom prst="rect">
             <a:avLst/>
@@ -6568,13 +6794,18 @@
           <a:lstStyle/>
           <a:p>
             <a:r>
-              <a:rPr lang="en-CA" dirty="0">
+              <a:rPr lang="en-CA">
                 <a:solidFill>
                   <a:schemeClr val="bg1"/>
                 </a:solidFill>
               </a:rPr>
               <a:t>Proposal #1 : “Dream Team”</a:t>
             </a:r>
+            <a:endParaRPr lang="en-CA" dirty="0">
+              <a:solidFill>
+                <a:schemeClr val="bg1"/>
+              </a:solidFill>
+            </a:endParaRPr>
           </a:p>
         </p:txBody>
       </p:sp>
@@ -6965,26 +7196,6 @@
           </a:bodyPr>
           <a:lstStyle/>
           <a:p>
-            <a:r>
-              <a:rPr lang="en-CA" sz="2400" dirty="0">
-                <a:solidFill>
-                  <a:schemeClr val="bg1"/>
-                </a:solidFill>
-              </a:rPr>
-              <a:t>Total salary of the dream team</a:t>
-            </a:r>
-          </a:p>
-          <a:p>
-            <a:r>
-              <a:rPr lang="en-CA" sz="2400" dirty="0">
-                <a:solidFill>
-                  <a:schemeClr val="bg1"/>
-                </a:solidFill>
-              </a:rPr>
-              <a:t>Salary Luxury Tax</a:t>
-            </a:r>
-          </a:p>
-          <a:p>
             <a:endParaRPr lang="en-CA" sz="2400" dirty="0">
               <a:solidFill>
                 <a:schemeClr val="bg1"/>
@@ -7234,19 +7445,6 @@
             <a:normAutofit/>
           </a:bodyPr>
           <a:lstStyle/>
-          <a:p>
-            <a:pPr marL="0" indent="0">
-              <a:buNone/>
-            </a:pPr>
-            <a:r>
-              <a:rPr lang="en-CA" sz="2400" dirty="0">
-                <a:solidFill>
-                  <a:schemeClr val="bg1"/>
-                </a:solidFill>
-              </a:rPr>
-              <a:t>Compare the dream to the 2019 Toronto Raptors (regular season stats)</a:t>
-            </a:r>
-          </a:p>
           <a:p>
             <a:pPr marL="457200" indent="-457200">
               <a:buFont typeface="+mj-lt"/>
